--- a/assembly/debugassembly/book/程序框架.pptx
+++ b/assembly/debugassembly/book/程序框架.pptx
@@ -11,6 +11,8 @@
     <p:sldId id="259" r:id="rId5"/>
     <p:sldId id="262" r:id="rId6"/>
     <p:sldId id="261" r:id="rId7"/>
+    <p:sldId id="264" r:id="rId8"/>
+    <p:sldId id="263" r:id="rId9"/>
   </p:sldIdLst>
   <p:sldSz cx="9144000" cy="6858000" type="screen4x3"/>
   <p:notesSz cx="6858000" cy="9144000"/>
@@ -294,7 +296,7 @@
             <a:fld id="{530820CF-B880-4189-942D-D702A7CBA730}" type="datetimeFigureOut">
               <a:rPr lang="zh-CN" altLang="en-US" smtClean="0"/>
               <a:pPr/>
-              <a:t>2017/11/15</a:t>
+              <a:t>2017/11/16</a:t>
             </a:fld>
             <a:endParaRPr lang="zh-CN" altLang="en-US"/>
           </a:p>
@@ -461,7 +463,7 @@
             <a:fld id="{530820CF-B880-4189-942D-D702A7CBA730}" type="datetimeFigureOut">
               <a:rPr lang="zh-CN" altLang="en-US" smtClean="0"/>
               <a:pPr/>
-              <a:t>2017/11/15</a:t>
+              <a:t>2017/11/16</a:t>
             </a:fld>
             <a:endParaRPr lang="zh-CN" altLang="en-US"/>
           </a:p>
@@ -638,7 +640,7 @@
             <a:fld id="{530820CF-B880-4189-942D-D702A7CBA730}" type="datetimeFigureOut">
               <a:rPr lang="zh-CN" altLang="en-US" smtClean="0"/>
               <a:pPr/>
-              <a:t>2017/11/15</a:t>
+              <a:t>2017/11/16</a:t>
             </a:fld>
             <a:endParaRPr lang="zh-CN" altLang="en-US"/>
           </a:p>
@@ -805,7 +807,7 @@
             <a:fld id="{530820CF-B880-4189-942D-D702A7CBA730}" type="datetimeFigureOut">
               <a:rPr lang="zh-CN" altLang="en-US" smtClean="0"/>
               <a:pPr/>
-              <a:t>2017/11/15</a:t>
+              <a:t>2017/11/16</a:t>
             </a:fld>
             <a:endParaRPr lang="zh-CN" altLang="en-US"/>
           </a:p>
@@ -1048,7 +1050,7 @@
             <a:fld id="{530820CF-B880-4189-942D-D702A7CBA730}" type="datetimeFigureOut">
               <a:rPr lang="zh-CN" altLang="en-US" smtClean="0"/>
               <a:pPr/>
-              <a:t>2017/11/15</a:t>
+              <a:t>2017/11/16</a:t>
             </a:fld>
             <a:endParaRPr lang="zh-CN" altLang="en-US"/>
           </a:p>
@@ -1333,7 +1335,7 @@
             <a:fld id="{530820CF-B880-4189-942D-D702A7CBA730}" type="datetimeFigureOut">
               <a:rPr lang="zh-CN" altLang="en-US" smtClean="0"/>
               <a:pPr/>
-              <a:t>2017/11/15</a:t>
+              <a:t>2017/11/16</a:t>
             </a:fld>
             <a:endParaRPr lang="zh-CN" altLang="en-US"/>
           </a:p>
@@ -1752,7 +1754,7 @@
             <a:fld id="{530820CF-B880-4189-942D-D702A7CBA730}" type="datetimeFigureOut">
               <a:rPr lang="zh-CN" altLang="en-US" smtClean="0"/>
               <a:pPr/>
-              <a:t>2017/11/15</a:t>
+              <a:t>2017/11/16</a:t>
             </a:fld>
             <a:endParaRPr lang="zh-CN" altLang="en-US"/>
           </a:p>
@@ -1867,7 +1869,7 @@
             <a:fld id="{530820CF-B880-4189-942D-D702A7CBA730}" type="datetimeFigureOut">
               <a:rPr lang="zh-CN" altLang="en-US" smtClean="0"/>
               <a:pPr/>
-              <a:t>2017/11/15</a:t>
+              <a:t>2017/11/16</a:t>
             </a:fld>
             <a:endParaRPr lang="zh-CN" altLang="en-US"/>
           </a:p>
@@ -1959,7 +1961,7 @@
             <a:fld id="{530820CF-B880-4189-942D-D702A7CBA730}" type="datetimeFigureOut">
               <a:rPr lang="zh-CN" altLang="en-US" smtClean="0"/>
               <a:pPr/>
-              <a:t>2017/11/15</a:t>
+              <a:t>2017/11/16</a:t>
             </a:fld>
             <a:endParaRPr lang="zh-CN" altLang="en-US"/>
           </a:p>
@@ -2233,7 +2235,7 @@
             <a:fld id="{530820CF-B880-4189-942D-D702A7CBA730}" type="datetimeFigureOut">
               <a:rPr lang="zh-CN" altLang="en-US" smtClean="0"/>
               <a:pPr/>
-              <a:t>2017/11/15</a:t>
+              <a:t>2017/11/16</a:t>
             </a:fld>
             <a:endParaRPr lang="zh-CN" altLang="en-US"/>
           </a:p>
@@ -2483,7 +2485,7 @@
             <a:fld id="{530820CF-B880-4189-942D-D702A7CBA730}" type="datetimeFigureOut">
               <a:rPr lang="zh-CN" altLang="en-US" smtClean="0"/>
               <a:pPr/>
-              <a:t>2017/11/15</a:t>
+              <a:t>2017/11/16</a:t>
             </a:fld>
             <a:endParaRPr lang="zh-CN" altLang="en-US"/>
           </a:p>
@@ -2693,7 +2695,7 @@
             <a:fld id="{530820CF-B880-4189-942D-D702A7CBA730}" type="datetimeFigureOut">
               <a:rPr lang="zh-CN" altLang="en-US" smtClean="0"/>
               <a:pPr/>
-              <a:t>2017/11/15</a:t>
+              <a:t>2017/11/16</a:t>
             </a:fld>
             <a:endParaRPr lang="zh-CN" altLang="en-US"/>
           </a:p>
@@ -6061,6 +6063,901 @@
 </p:sld>
 </file>
 
+<file path=ppt/slides/slide7.xml><?xml version="1.0" encoding="utf-8"?>
+<p:sld xmlns:a="http://schemas.openxmlformats.org/drawingml/2006/main" xmlns:r="http://schemas.openxmlformats.org/officeDocument/2006/relationships" xmlns:p="http://schemas.openxmlformats.org/presentationml/2006/main">
+  <p:cSld>
+    <p:spTree>
+      <p:nvGrpSpPr>
+        <p:cNvPr id="1" name=""/>
+        <p:cNvGrpSpPr/>
+        <p:nvPr/>
+      </p:nvGrpSpPr>
+      <p:grpSpPr>
+        <a:xfrm>
+          <a:off x="0" y="0"/>
+          <a:ext cx="0" cy="0"/>
+          <a:chOff x="0" y="0"/>
+          <a:chExt cx="0" cy="0"/>
+        </a:xfrm>
+      </p:grpSpPr>
+      <p:graphicFrame>
+        <p:nvGraphicFramePr>
+          <p:cNvPr id="4" name="表格 3"/>
+          <p:cNvGraphicFramePr>
+            <a:graphicFrameLocks noGrp="1"/>
+          </p:cNvGraphicFramePr>
+          <p:nvPr/>
+        </p:nvGraphicFramePr>
+        <p:xfrm>
+          <a:off x="1000100" y="571480"/>
+          <a:ext cx="4929223" cy="1112520"/>
+        </p:xfrm>
+        <a:graphic>
+          <a:graphicData uri="http://schemas.openxmlformats.org/drawingml/2006/table">
+            <a:tbl>
+              <a:tblPr firstRow="1" bandRow="1">
+                <a:tableStyleId>{5C22544A-7EE6-4342-B048-85BDC9FD1C3A}</a:tableStyleId>
+              </a:tblPr>
+              <a:tblGrid>
+                <a:gridCol w="1289182"/>
+                <a:gridCol w="1113815"/>
+                <a:gridCol w="2526226"/>
+              </a:tblGrid>
+              <a:tr h="370840">
+                <a:tc>
+                  <a:txBody>
+                    <a:bodyPr/>
+                    <a:lstStyle/>
+                    <a:p>
+                      <a:r>
+                        <a:rPr lang="en-US" altLang="zh-CN" dirty="0" smtClean="0"/>
+                        <a:t>boundary</a:t>
+                      </a:r>
+                      <a:endParaRPr lang="zh-CN" altLang="en-US" dirty="0"/>
+                    </a:p>
+                  </a:txBody>
+                  <a:tcPr/>
+                </a:tc>
+                <a:tc>
+                  <a:txBody>
+                    <a:bodyPr/>
+                    <a:lstStyle/>
+                    <a:p>
+                      <a:r>
+                        <a:rPr lang="zh-CN" altLang="en-US" dirty="0" smtClean="0"/>
+                        <a:t>名称</a:t>
+                      </a:r>
+                      <a:endParaRPr lang="zh-CN" altLang="en-US" dirty="0"/>
+                    </a:p>
+                  </a:txBody>
+                  <a:tcPr/>
+                </a:tc>
+                <a:tc>
+                  <a:txBody>
+                    <a:bodyPr/>
+                    <a:lstStyle/>
+                    <a:p>
+                      <a:r>
+                        <a:rPr lang="zh-CN" altLang="en-US" dirty="0" smtClean="0"/>
+                        <a:t>说明</a:t>
+                      </a:r>
+                      <a:endParaRPr lang="zh-CN" altLang="en-US" dirty="0"/>
+                    </a:p>
+                  </a:txBody>
+                  <a:tcPr/>
+                </a:tc>
+              </a:tr>
+              <a:tr h="370840">
+                <a:tc rowSpan="2">
+                  <a:txBody>
+                    <a:bodyPr/>
+                    <a:lstStyle/>
+                    <a:p>
+                      <a:r>
+                        <a:rPr lang="zh-CN" altLang="en-US" dirty="0" smtClean="0"/>
+                        <a:t>变</a:t>
+                      </a:r>
+                      <a:endParaRPr lang="en-US" altLang="zh-CN" dirty="0" smtClean="0"/>
+                    </a:p>
+                    <a:p>
+                      <a:r>
+                        <a:rPr lang="zh-CN" altLang="en-US" dirty="0" smtClean="0"/>
+                        <a:t>量</a:t>
+                      </a:r>
+                      <a:endParaRPr lang="zh-CN" altLang="en-US" dirty="0"/>
+                    </a:p>
+                  </a:txBody>
+                  <a:tcPr/>
+                </a:tc>
+                <a:tc>
+                  <a:txBody>
+                    <a:bodyPr/>
+                    <a:lstStyle/>
+                    <a:p>
+                      <a:r>
+                        <a:rPr lang="en-US" altLang="zh-CN" dirty="0" smtClean="0"/>
+                        <a:t>Inlet</a:t>
+                      </a:r>
+                      <a:endParaRPr lang="zh-CN" altLang="en-US" dirty="0"/>
+                    </a:p>
+                  </a:txBody>
+                  <a:tcPr/>
+                </a:tc>
+                <a:tc>
+                  <a:txBody>
+                    <a:bodyPr/>
+                    <a:lstStyle/>
+                    <a:p>
+                      <a:r>
+                        <a:rPr lang="en-US" altLang="zh-CN" dirty="0" smtClean="0"/>
+                        <a:t>public</a:t>
+                      </a:r>
+                      <a:endParaRPr lang="zh-CN" altLang="en-US" dirty="0"/>
+                    </a:p>
+                  </a:txBody>
+                  <a:tcPr/>
+                </a:tc>
+              </a:tr>
+              <a:tr h="370840">
+                <a:tc vMerge="1">
+                  <a:txBody>
+                    <a:bodyPr/>
+                    <a:lstStyle/>
+                    <a:p>
+                      <a:endParaRPr lang="zh-CN" altLang="en-US" dirty="0"/>
+                    </a:p>
+                  </a:txBody>
+                  <a:tcPr/>
+                </a:tc>
+                <a:tc>
+                  <a:txBody>
+                    <a:bodyPr/>
+                    <a:lstStyle/>
+                    <a:p>
+                      <a:r>
+                        <a:rPr lang="en-US" altLang="zh-CN" dirty="0" smtClean="0"/>
+                        <a:t>outlet</a:t>
+                      </a:r>
+                      <a:endParaRPr lang="zh-CN" altLang="en-US" dirty="0"/>
+                    </a:p>
+                  </a:txBody>
+                  <a:tcPr/>
+                </a:tc>
+                <a:tc>
+                  <a:txBody>
+                    <a:bodyPr/>
+                    <a:lstStyle/>
+                    <a:p>
+                      <a:pPr marL="0" marR="0" indent="0" algn="l" defTabSz="914400" rtl="0" eaLnBrk="1" fontAlgn="auto" latinLnBrk="0" hangingPunct="1">
+                        <a:lnSpc>
+                          <a:spcPct val="100000"/>
+                        </a:lnSpc>
+                        <a:spcBef>
+                          <a:spcPts val="0"/>
+                        </a:spcBef>
+                        <a:spcAft>
+                          <a:spcPts val="0"/>
+                        </a:spcAft>
+                        <a:buClrTx/>
+                        <a:buSzTx/>
+                        <a:buFontTx/>
+                        <a:buNone/>
+                        <a:tabLst/>
+                        <a:defRPr/>
+                      </a:pPr>
+                      <a:r>
+                        <a:rPr lang="en-US" altLang="zh-CN" dirty="0" smtClean="0"/>
+                        <a:t>public</a:t>
+                      </a:r>
+                      <a:endParaRPr lang="zh-CN" altLang="en-US" dirty="0" smtClean="0"/>
+                    </a:p>
+                  </a:txBody>
+                  <a:tcPr/>
+                </a:tc>
+              </a:tr>
+            </a:tbl>
+          </a:graphicData>
+        </a:graphic>
+      </p:graphicFrame>
+      <p:graphicFrame>
+        <p:nvGraphicFramePr>
+          <p:cNvPr id="5" name="表格 4"/>
+          <p:cNvGraphicFramePr>
+            <a:graphicFrameLocks noGrp="1"/>
+          </p:cNvGraphicFramePr>
+          <p:nvPr/>
+        </p:nvGraphicFramePr>
+        <p:xfrm>
+          <a:off x="1000100" y="1928802"/>
+          <a:ext cx="7143799" cy="1483360"/>
+        </p:xfrm>
+        <a:graphic>
+          <a:graphicData uri="http://schemas.openxmlformats.org/drawingml/2006/table">
+            <a:tbl>
+              <a:tblPr firstRow="1" bandRow="1">
+                <a:tableStyleId>{5C22544A-7EE6-4342-B048-85BDC9FD1C3A}</a:tableStyleId>
+              </a:tblPr>
+              <a:tblGrid>
+                <a:gridCol w="1500198"/>
+                <a:gridCol w="802349"/>
+                <a:gridCol w="2420626"/>
+                <a:gridCol w="2420626"/>
+              </a:tblGrid>
+              <a:tr h="370840">
+                <a:tc>
+                  <a:txBody>
+                    <a:bodyPr/>
+                    <a:lstStyle/>
+                    <a:p>
+                      <a:r>
+                        <a:rPr lang="en-US" altLang="zh-CN" dirty="0" err="1" smtClean="0"/>
+                        <a:t>Th_boundary</a:t>
+                      </a:r>
+                      <a:endParaRPr lang="zh-CN" altLang="en-US" dirty="0"/>
+                    </a:p>
+                  </a:txBody>
+                  <a:tcPr/>
+                </a:tc>
+                <a:tc>
+                  <a:txBody>
+                    <a:bodyPr/>
+                    <a:lstStyle/>
+                    <a:p>
+                      <a:r>
+                        <a:rPr lang="zh-CN" altLang="en-US" dirty="0" smtClean="0"/>
+                        <a:t>名称</a:t>
+                      </a:r>
+                      <a:endParaRPr lang="zh-CN" altLang="en-US" dirty="0"/>
+                    </a:p>
+                  </a:txBody>
+                  <a:tcPr/>
+                </a:tc>
+                <a:tc>
+                  <a:txBody>
+                    <a:bodyPr/>
+                    <a:lstStyle/>
+                    <a:p>
+                      <a:r>
+                        <a:rPr lang="zh-CN" altLang="en-US" dirty="0" smtClean="0"/>
+                        <a:t>类型</a:t>
+                      </a:r>
+                      <a:endParaRPr lang="zh-CN" altLang="en-US" dirty="0"/>
+                    </a:p>
+                  </a:txBody>
+                  <a:tcPr/>
+                </a:tc>
+                <a:tc>
+                  <a:txBody>
+                    <a:bodyPr/>
+                    <a:lstStyle/>
+                    <a:p>
+                      <a:r>
+                        <a:rPr lang="zh-CN" altLang="en-US" dirty="0" smtClean="0"/>
+                        <a:t>说明</a:t>
+                      </a:r>
+                      <a:endParaRPr lang="zh-CN" altLang="en-US" dirty="0"/>
+                    </a:p>
+                  </a:txBody>
+                  <a:tcPr/>
+                </a:tc>
+              </a:tr>
+              <a:tr h="370840">
+                <a:tc rowSpan="3">
+                  <a:txBody>
+                    <a:bodyPr/>
+                    <a:lstStyle/>
+                    <a:p>
+                      <a:r>
+                        <a:rPr lang="zh-CN" altLang="en-US" dirty="0" smtClean="0"/>
+                        <a:t>变</a:t>
+                      </a:r>
+                      <a:endParaRPr lang="en-US" altLang="zh-CN" dirty="0" smtClean="0"/>
+                    </a:p>
+                    <a:p>
+                      <a:r>
+                        <a:rPr lang="zh-CN" altLang="en-US" dirty="0" smtClean="0"/>
+                        <a:t>量</a:t>
+                      </a:r>
+                      <a:endParaRPr lang="zh-CN" altLang="en-US" dirty="0"/>
+                    </a:p>
+                  </a:txBody>
+                  <a:tcPr/>
+                </a:tc>
+                <a:tc>
+                  <a:txBody>
+                    <a:bodyPr/>
+                    <a:lstStyle/>
+                    <a:p>
+                      <a:r>
+                        <a:rPr lang="en-US" altLang="zh-CN" dirty="0" smtClean="0"/>
+                        <a:t>P</a:t>
+                      </a:r>
+                      <a:endParaRPr lang="zh-CN" altLang="en-US" dirty="0"/>
+                    </a:p>
+                  </a:txBody>
+                  <a:tcPr/>
+                </a:tc>
+                <a:tc>
+                  <a:txBody>
+                    <a:bodyPr/>
+                    <a:lstStyle/>
+                    <a:p>
+                      <a:r>
+                        <a:rPr lang="en-US" altLang="zh-CN" dirty="0" smtClean="0"/>
+                        <a:t>Boundary</a:t>
+                      </a:r>
+                      <a:endParaRPr lang="zh-CN" altLang="en-US" dirty="0"/>
+                    </a:p>
+                  </a:txBody>
+                  <a:tcPr/>
+                </a:tc>
+                <a:tc>
+                  <a:txBody>
+                    <a:bodyPr/>
+                    <a:lstStyle/>
+                    <a:p>
+                      <a:r>
+                        <a:rPr lang="en-US" altLang="zh-CN" dirty="0" smtClean="0"/>
+                        <a:t>public</a:t>
+                      </a:r>
+                      <a:endParaRPr lang="zh-CN" altLang="en-US" dirty="0"/>
+                    </a:p>
+                  </a:txBody>
+                  <a:tcPr/>
+                </a:tc>
+              </a:tr>
+              <a:tr h="370840">
+                <a:tc vMerge="1">
+                  <a:txBody>
+                    <a:bodyPr/>
+                    <a:lstStyle/>
+                    <a:p>
+                      <a:endParaRPr lang="zh-CN" altLang="en-US" dirty="0"/>
+                    </a:p>
+                  </a:txBody>
+                  <a:tcPr/>
+                </a:tc>
+                <a:tc>
+                  <a:txBody>
+                    <a:bodyPr/>
+                    <a:lstStyle/>
+                    <a:p>
+                      <a:r>
+                        <a:rPr lang="en-US" altLang="zh-CN" dirty="0" smtClean="0"/>
+                        <a:t>V</a:t>
+                      </a:r>
+                      <a:endParaRPr lang="zh-CN" altLang="en-US" dirty="0"/>
+                    </a:p>
+                  </a:txBody>
+                  <a:tcPr/>
+                </a:tc>
+                <a:tc>
+                  <a:txBody>
+                    <a:bodyPr/>
+                    <a:lstStyle/>
+                    <a:p>
+                      <a:pPr marL="0" marR="0" indent="0" algn="l" defTabSz="914400" rtl="0" eaLnBrk="1" fontAlgn="auto" latinLnBrk="0" hangingPunct="1">
+                        <a:lnSpc>
+                          <a:spcPct val="100000"/>
+                        </a:lnSpc>
+                        <a:spcBef>
+                          <a:spcPts val="0"/>
+                        </a:spcBef>
+                        <a:spcAft>
+                          <a:spcPts val="0"/>
+                        </a:spcAft>
+                        <a:buClrTx/>
+                        <a:buSzTx/>
+                        <a:buFontTx/>
+                        <a:buNone/>
+                        <a:tabLst/>
+                        <a:defRPr/>
+                      </a:pPr>
+                      <a:r>
+                        <a:rPr lang="en-US" altLang="zh-CN" dirty="0" smtClean="0"/>
+                        <a:t>Boundary</a:t>
+                      </a:r>
+                      <a:endParaRPr lang="zh-CN" altLang="en-US" dirty="0" smtClean="0"/>
+                    </a:p>
+                  </a:txBody>
+                  <a:tcPr/>
+                </a:tc>
+                <a:tc>
+                  <a:txBody>
+                    <a:bodyPr/>
+                    <a:lstStyle/>
+                    <a:p>
+                      <a:pPr marL="0" marR="0" indent="0" algn="l" defTabSz="914400" rtl="0" eaLnBrk="1" fontAlgn="auto" latinLnBrk="0" hangingPunct="1">
+                        <a:lnSpc>
+                          <a:spcPct val="100000"/>
+                        </a:lnSpc>
+                        <a:spcBef>
+                          <a:spcPts val="0"/>
+                        </a:spcBef>
+                        <a:spcAft>
+                          <a:spcPts val="0"/>
+                        </a:spcAft>
+                        <a:buClrTx/>
+                        <a:buSzTx/>
+                        <a:buFontTx/>
+                        <a:buNone/>
+                        <a:tabLst/>
+                        <a:defRPr/>
+                      </a:pPr>
+                      <a:r>
+                        <a:rPr lang="en-US" altLang="zh-CN" dirty="0" smtClean="0"/>
+                        <a:t>public</a:t>
+                      </a:r>
+                      <a:endParaRPr lang="zh-CN" altLang="en-US" dirty="0" smtClean="0"/>
+                    </a:p>
+                  </a:txBody>
+                  <a:tcPr/>
+                </a:tc>
+              </a:tr>
+              <a:tr h="370840">
+                <a:tc vMerge="1">
+                  <a:txBody>
+                    <a:bodyPr/>
+                    <a:lstStyle/>
+                    <a:p>
+                      <a:endParaRPr lang="zh-CN" altLang="en-US" dirty="0"/>
+                    </a:p>
+                  </a:txBody>
+                  <a:tcPr/>
+                </a:tc>
+                <a:tc>
+                  <a:txBody>
+                    <a:bodyPr/>
+                    <a:lstStyle/>
+                    <a:p>
+                      <a:r>
+                        <a:rPr lang="en-US" altLang="zh-CN" dirty="0" smtClean="0"/>
+                        <a:t>t</a:t>
+                      </a:r>
+                      <a:endParaRPr lang="zh-CN" altLang="en-US" dirty="0"/>
+                    </a:p>
+                  </a:txBody>
+                  <a:tcPr/>
+                </a:tc>
+                <a:tc>
+                  <a:txBody>
+                    <a:bodyPr/>
+                    <a:lstStyle/>
+                    <a:p>
+                      <a:pPr marL="0" marR="0" indent="0" algn="l" defTabSz="914400" rtl="0" eaLnBrk="1" fontAlgn="auto" latinLnBrk="0" hangingPunct="1">
+                        <a:lnSpc>
+                          <a:spcPct val="100000"/>
+                        </a:lnSpc>
+                        <a:spcBef>
+                          <a:spcPts val="0"/>
+                        </a:spcBef>
+                        <a:spcAft>
+                          <a:spcPts val="0"/>
+                        </a:spcAft>
+                        <a:buClrTx/>
+                        <a:buSzTx/>
+                        <a:buFontTx/>
+                        <a:buNone/>
+                        <a:tabLst/>
+                        <a:defRPr/>
+                      </a:pPr>
+                      <a:r>
+                        <a:rPr lang="en-US" altLang="zh-CN" dirty="0" smtClean="0"/>
+                        <a:t>boundary</a:t>
+                      </a:r>
+                      <a:endParaRPr lang="zh-CN" altLang="en-US" dirty="0" smtClean="0"/>
+                    </a:p>
+                  </a:txBody>
+                  <a:tcPr/>
+                </a:tc>
+                <a:tc>
+                  <a:txBody>
+                    <a:bodyPr/>
+                    <a:lstStyle/>
+                    <a:p>
+                      <a:pPr marL="0" marR="0" indent="0" algn="l" defTabSz="914400" rtl="0" eaLnBrk="1" fontAlgn="auto" latinLnBrk="0" hangingPunct="1">
+                        <a:lnSpc>
+                          <a:spcPct val="100000"/>
+                        </a:lnSpc>
+                        <a:spcBef>
+                          <a:spcPts val="0"/>
+                        </a:spcBef>
+                        <a:spcAft>
+                          <a:spcPts val="0"/>
+                        </a:spcAft>
+                        <a:buClrTx/>
+                        <a:buSzTx/>
+                        <a:buFontTx/>
+                        <a:buNone/>
+                        <a:tabLst/>
+                        <a:defRPr/>
+                      </a:pPr>
+                      <a:endParaRPr lang="zh-CN" altLang="en-US" dirty="0" smtClean="0"/>
+                    </a:p>
+                  </a:txBody>
+                  <a:tcPr/>
+                </a:tc>
+              </a:tr>
+            </a:tbl>
+          </a:graphicData>
+        </a:graphic>
+      </p:graphicFrame>
+    </p:spTree>
+  </p:cSld>
+  <p:clrMapOvr>
+    <a:masterClrMapping/>
+  </p:clrMapOvr>
+</p:sld>
+</file>
+
+<file path=ppt/slides/slide8.xml><?xml version="1.0" encoding="utf-8"?>
+<p:sld xmlns:a="http://schemas.openxmlformats.org/drawingml/2006/main" xmlns:r="http://schemas.openxmlformats.org/officeDocument/2006/relationships" xmlns:p="http://schemas.openxmlformats.org/presentationml/2006/main">
+  <p:cSld>
+    <p:spTree>
+      <p:nvGrpSpPr>
+        <p:cNvPr id="1" name=""/>
+        <p:cNvGrpSpPr/>
+        <p:nvPr/>
+      </p:nvGrpSpPr>
+      <p:grpSpPr>
+        <a:xfrm>
+          <a:off x="0" y="0"/>
+          <a:ext cx="0" cy="0"/>
+          <a:chOff x="0" y="0"/>
+          <a:chExt cx="0" cy="0"/>
+        </a:xfrm>
+      </p:grpSpPr>
+      <p:sp>
+        <p:nvSpPr>
+          <p:cNvPr id="3" name="内容占位符 2"/>
+          <p:cNvSpPr>
+            <a:spLocks noGrp="1"/>
+          </p:cNvSpPr>
+          <p:nvPr>
+            <p:ph idx="1"/>
+          </p:nvPr>
+        </p:nvSpPr>
+        <p:spPr>
+          <a:xfrm>
+            <a:off x="428596" y="285728"/>
+            <a:ext cx="8229600" cy="2828932"/>
+          </a:xfrm>
+        </p:spPr>
+        <p:txBody>
+          <a:bodyPr/>
+          <a:lstStyle/>
+          <a:p>
+            <a:r>
+              <a:rPr lang="zh-CN" altLang="en-US" dirty="0" smtClean="0"/>
+              <a:t>计算类</a:t>
+            </a:r>
+            <a:r>
+              <a:rPr lang="en-US" altLang="zh-CN" dirty="0" smtClean="0"/>
+              <a:t>calculation:</a:t>
+            </a:r>
+            <a:r>
+              <a:rPr lang="zh-CN" altLang="en-US" dirty="0" smtClean="0"/>
+              <a:t>抽象类</a:t>
+            </a:r>
+            <a:endParaRPr lang="en-US" altLang="zh-CN" dirty="0" smtClean="0"/>
+          </a:p>
+          <a:p>
+            <a:r>
+              <a:rPr lang="zh-CN" altLang="en-US" dirty="0" smtClean="0"/>
+              <a:t>数据：</a:t>
+            </a:r>
+            <a:r>
+              <a:rPr lang="en-US" altLang="zh-CN" dirty="0" err="1" smtClean="0"/>
+              <a:t>geom,mesh,hydraulic,thermal,boundary,initial</a:t>
+            </a:r>
+            <a:endParaRPr lang="en-US" altLang="zh-CN" dirty="0" smtClean="0"/>
+          </a:p>
+          <a:p>
+            <a:r>
+              <a:rPr lang="zh-CN" altLang="en-US" dirty="0" smtClean="0"/>
+              <a:t>方法：</a:t>
+            </a:r>
+            <a:endParaRPr lang="en-US" altLang="zh-CN" dirty="0" smtClean="0"/>
+          </a:p>
+          <a:p>
+            <a:r>
+              <a:rPr lang="en-US" altLang="zh-CN" dirty="0" err="1" smtClean="0"/>
+              <a:t>alloc,clean,set,steady,transient</a:t>
+            </a:r>
+            <a:endParaRPr lang="en-US" altLang="zh-CN" dirty="0" smtClean="0"/>
+          </a:p>
+        </p:txBody>
+      </p:sp>
+      <p:sp>
+        <p:nvSpPr>
+          <p:cNvPr id="4" name="内容占位符 2"/>
+          <p:cNvSpPr txBox="1">
+            <a:spLocks/>
+          </p:cNvSpPr>
+          <p:nvPr/>
+        </p:nvSpPr>
+        <p:spPr>
+          <a:xfrm>
+            <a:off x="428596" y="3286124"/>
+            <a:ext cx="8229600" cy="2828932"/>
+          </a:xfrm>
+          <a:prstGeom prst="rect">
+            <a:avLst/>
+          </a:prstGeom>
+        </p:spPr>
+        <p:txBody>
+          <a:bodyPr vert="horz" lIns="91440" tIns="45720" rIns="91440" bIns="45720" rtlCol="0">
+            <a:normAutofit fontScale="92500" lnSpcReduction="20000"/>
+          </a:bodyPr>
+          <a:lstStyle/>
+          <a:p>
+            <a:pPr marL="342900" marR="0" lvl="0" indent="-342900" algn="l" defTabSz="914400" rtl="0" eaLnBrk="1" fontAlgn="auto" latinLnBrk="0" hangingPunct="1">
+              <a:lnSpc>
+                <a:spcPct val="100000"/>
+              </a:lnSpc>
+              <a:spcBef>
+                <a:spcPct val="20000"/>
+              </a:spcBef>
+              <a:spcAft>
+                <a:spcPts val="0"/>
+              </a:spcAft>
+              <a:buClrTx/>
+              <a:buSzTx/>
+              <a:buFont typeface="Arial" pitchFamily="34" charset="0"/>
+              <a:buChar char="•"/>
+              <a:tabLst/>
+              <a:defRPr/>
+            </a:pPr>
+            <a:r>
+              <a:rPr kumimoji="0" lang="en-US" altLang="zh-CN" sz="3200" b="0" i="0" u="none" strike="noStrike" kern="1200" cap="none" spc="0" normalizeH="0" baseline="0" noProof="0" dirty="0" err="1" smtClean="0">
+                <a:ln>
+                  <a:noFill/>
+                </a:ln>
+                <a:solidFill>
+                  <a:schemeClr val="tx1"/>
+                </a:solidFill>
+                <a:effectLst/>
+                <a:uLnTx/>
+                <a:uFillTx/>
+                <a:latin typeface="+mn-lt"/>
+                <a:ea typeface="+mn-ea"/>
+                <a:cs typeface="+mn-cs"/>
+              </a:rPr>
+              <a:t>Assm_calcu</a:t>
+            </a:r>
+            <a:r>
+              <a:rPr kumimoji="0" lang="zh-CN" altLang="en-US" sz="3200" b="0" i="0" u="none" strike="noStrike" kern="1200" cap="none" spc="0" normalizeH="0" baseline="0" noProof="0" dirty="0" smtClean="0">
+                <a:ln>
+                  <a:noFill/>
+                </a:ln>
+                <a:solidFill>
+                  <a:schemeClr val="tx1"/>
+                </a:solidFill>
+                <a:effectLst/>
+                <a:uLnTx/>
+                <a:uFillTx/>
+                <a:latin typeface="+mn-lt"/>
+                <a:ea typeface="+mn-ea"/>
+                <a:cs typeface="+mn-cs"/>
+              </a:rPr>
+              <a:t>是</a:t>
+            </a:r>
+            <a:r>
+              <a:rPr kumimoji="0" lang="en-US" altLang="zh-CN" sz="3200" b="0" i="0" u="none" strike="noStrike" kern="1200" cap="none" spc="0" normalizeH="0" baseline="0" noProof="0" dirty="0" smtClean="0">
+                <a:ln>
+                  <a:noFill/>
+                </a:ln>
+                <a:solidFill>
+                  <a:schemeClr val="tx1"/>
+                </a:solidFill>
+                <a:effectLst/>
+                <a:uLnTx/>
+                <a:uFillTx/>
+                <a:latin typeface="+mn-lt"/>
+                <a:ea typeface="+mn-ea"/>
+                <a:cs typeface="+mn-cs"/>
+              </a:rPr>
+              <a:t>calculation</a:t>
+            </a:r>
+            <a:r>
+              <a:rPr kumimoji="0" lang="zh-CN" altLang="en-US" sz="3200" b="0" i="0" u="none" strike="noStrike" kern="1200" cap="none" spc="0" normalizeH="0" baseline="0" noProof="0" dirty="0" smtClean="0">
+                <a:ln>
+                  <a:noFill/>
+                </a:ln>
+                <a:solidFill>
+                  <a:schemeClr val="tx1"/>
+                </a:solidFill>
+                <a:effectLst/>
+                <a:uLnTx/>
+                <a:uFillTx/>
+                <a:latin typeface="+mn-lt"/>
+                <a:ea typeface="+mn-ea"/>
+                <a:cs typeface="+mn-cs"/>
+              </a:rPr>
+              <a:t>的子类</a:t>
+            </a:r>
+            <a:endParaRPr kumimoji="0" lang="en-US" altLang="zh-CN" sz="3200" b="0" i="0" u="none" strike="noStrike" kern="1200" cap="none" spc="0" normalizeH="0" baseline="0" noProof="0" dirty="0" smtClean="0">
+              <a:ln>
+                <a:noFill/>
+              </a:ln>
+              <a:solidFill>
+                <a:schemeClr val="tx1"/>
+              </a:solidFill>
+              <a:effectLst/>
+              <a:uLnTx/>
+              <a:uFillTx/>
+              <a:latin typeface="+mn-lt"/>
+              <a:ea typeface="+mn-ea"/>
+              <a:cs typeface="+mn-cs"/>
+            </a:endParaRPr>
+          </a:p>
+          <a:p>
+            <a:pPr marL="342900" marR="0" lvl="0" indent="-342900" algn="l" defTabSz="914400" rtl="0" eaLnBrk="1" fontAlgn="auto" latinLnBrk="0" hangingPunct="1">
+              <a:lnSpc>
+                <a:spcPct val="100000"/>
+              </a:lnSpc>
+              <a:spcBef>
+                <a:spcPct val="20000"/>
+              </a:spcBef>
+              <a:spcAft>
+                <a:spcPts val="0"/>
+              </a:spcAft>
+              <a:buClrTx/>
+              <a:buSzTx/>
+              <a:buFont typeface="Arial" pitchFamily="34" charset="0"/>
+              <a:buChar char="•"/>
+              <a:tabLst/>
+              <a:defRPr/>
+            </a:pPr>
+            <a:r>
+              <a:rPr kumimoji="0" lang="zh-CN" altLang="en-US" sz="3200" b="0" i="0" u="none" strike="noStrike" kern="1200" cap="none" spc="0" normalizeH="0" baseline="0" noProof="0" dirty="0" smtClean="0">
+                <a:ln>
+                  <a:noFill/>
+                </a:ln>
+                <a:solidFill>
+                  <a:schemeClr val="tx1"/>
+                </a:solidFill>
+                <a:effectLst/>
+                <a:uLnTx/>
+                <a:uFillTx/>
+                <a:latin typeface="+mn-lt"/>
+                <a:ea typeface="+mn-ea"/>
+                <a:cs typeface="+mn-cs"/>
+              </a:rPr>
+              <a:t>数据：</a:t>
+            </a:r>
+            <a:r>
+              <a:rPr lang="en-US" altLang="zh-CN" sz="3200" dirty="0" smtClean="0"/>
+              <a:t>A</a:t>
+            </a:r>
+            <a:r>
+              <a:rPr kumimoji="0" lang="en-US" altLang="zh-CN" sz="3200" b="0" i="0" u="none" strike="noStrike" kern="1200" cap="none" spc="0" normalizeH="0" baseline="0" noProof="0" dirty="0" smtClean="0">
+                <a:ln>
+                  <a:noFill/>
+                </a:ln>
+                <a:solidFill>
+                  <a:schemeClr val="tx1"/>
+                </a:solidFill>
+                <a:effectLst/>
+                <a:uLnTx/>
+                <a:uFillTx/>
+                <a:latin typeface="+mn-lt"/>
+                <a:ea typeface="+mn-ea"/>
+                <a:cs typeface="+mn-cs"/>
+              </a:rPr>
+              <a:t>ssmgeom,Assmmesh,Assmhydraulic,Assmthermal,Assmboundary,Assminitial </a:t>
+            </a:r>
+          </a:p>
+          <a:p>
+            <a:pPr marL="342900" marR="0" lvl="0" indent="-342900" algn="l" defTabSz="914400" rtl="0" eaLnBrk="1" fontAlgn="auto" latinLnBrk="0" hangingPunct="1">
+              <a:lnSpc>
+                <a:spcPct val="100000"/>
+              </a:lnSpc>
+              <a:spcBef>
+                <a:spcPct val="20000"/>
+              </a:spcBef>
+              <a:spcAft>
+                <a:spcPts val="0"/>
+              </a:spcAft>
+              <a:buClrTx/>
+              <a:buSzTx/>
+              <a:buFont typeface="Arial" pitchFamily="34" charset="0"/>
+              <a:buChar char="•"/>
+              <a:tabLst/>
+              <a:defRPr/>
+            </a:pPr>
+            <a:r>
+              <a:rPr kumimoji="0" lang="zh-CN" altLang="en-US" sz="3200" b="0" i="0" u="none" strike="noStrike" kern="1200" cap="none" spc="0" normalizeH="0" baseline="0" noProof="0" dirty="0" smtClean="0">
+                <a:ln>
+                  <a:noFill/>
+                </a:ln>
+                <a:solidFill>
+                  <a:schemeClr val="tx1"/>
+                </a:solidFill>
+                <a:effectLst/>
+                <a:uLnTx/>
+                <a:uFillTx/>
+                <a:latin typeface="+mn-lt"/>
+                <a:ea typeface="+mn-ea"/>
+                <a:cs typeface="+mn-cs"/>
+              </a:rPr>
+              <a:t>方法：</a:t>
+            </a:r>
+            <a:endParaRPr kumimoji="0" lang="en-US" altLang="zh-CN" sz="3200" b="0" i="0" u="none" strike="noStrike" kern="1200" cap="none" spc="0" normalizeH="0" baseline="0" noProof="0" dirty="0" smtClean="0">
+              <a:ln>
+                <a:noFill/>
+              </a:ln>
+              <a:solidFill>
+                <a:schemeClr val="tx1"/>
+              </a:solidFill>
+              <a:effectLst/>
+              <a:uLnTx/>
+              <a:uFillTx/>
+              <a:latin typeface="+mn-lt"/>
+              <a:ea typeface="+mn-ea"/>
+              <a:cs typeface="+mn-cs"/>
+            </a:endParaRPr>
+          </a:p>
+          <a:p>
+            <a:pPr marL="342900" marR="0" lvl="0" indent="-342900" algn="l" defTabSz="914400" rtl="0" eaLnBrk="1" fontAlgn="auto" latinLnBrk="0" hangingPunct="1">
+              <a:lnSpc>
+                <a:spcPct val="100000"/>
+              </a:lnSpc>
+              <a:spcBef>
+                <a:spcPct val="20000"/>
+              </a:spcBef>
+              <a:spcAft>
+                <a:spcPts val="0"/>
+              </a:spcAft>
+              <a:buClrTx/>
+              <a:buSzTx/>
+              <a:buFont typeface="Arial" pitchFamily="34" charset="0"/>
+              <a:buChar char="•"/>
+              <a:tabLst/>
+              <a:defRPr/>
+            </a:pPr>
+            <a:r>
+              <a:rPr kumimoji="0" lang="en-US" altLang="zh-CN" sz="3200" b="0" i="0" u="none" strike="noStrike" kern="1200" cap="none" spc="0" normalizeH="0" baseline="0" noProof="0" dirty="0" err="1" smtClean="0">
+                <a:ln>
+                  <a:noFill/>
+                </a:ln>
+                <a:solidFill>
+                  <a:schemeClr val="tx1"/>
+                </a:solidFill>
+                <a:effectLst/>
+                <a:uLnTx/>
+                <a:uFillTx/>
+                <a:latin typeface="+mn-lt"/>
+                <a:ea typeface="+mn-ea"/>
+                <a:cs typeface="+mn-cs"/>
+              </a:rPr>
+              <a:t>alloc,clean,set,steady,transient</a:t>
+            </a:r>
+            <a:endParaRPr kumimoji="0" lang="en-US" altLang="zh-CN" sz="3200" b="0" i="0" u="none" strike="noStrike" kern="1200" cap="none" spc="0" normalizeH="0" baseline="0" noProof="0" dirty="0" smtClean="0">
+              <a:ln>
+                <a:noFill/>
+              </a:ln>
+              <a:solidFill>
+                <a:schemeClr val="tx1"/>
+              </a:solidFill>
+              <a:effectLst/>
+              <a:uLnTx/>
+              <a:uFillTx/>
+              <a:latin typeface="+mn-lt"/>
+              <a:ea typeface="+mn-ea"/>
+              <a:cs typeface="+mn-cs"/>
+            </a:endParaRPr>
+          </a:p>
+        </p:txBody>
+      </p:sp>
+    </p:spTree>
+  </p:cSld>
+  <p:clrMapOvr>
+    <a:masterClrMapping/>
+  </p:clrMapOvr>
+</p:sld>
+</file>
+
 <file path=ppt/theme/theme1.xml><?xml version="1.0" encoding="utf-8"?>
 <a:theme xmlns:a="http://schemas.openxmlformats.org/drawingml/2006/main" name="Office 主题">
   <a:themeElements>

--- a/assembly/debugassembly/book/程序框架.pptx
+++ b/assembly/debugassembly/book/程序框架.pptx
@@ -8,11 +8,14 @@
     <p:sldId id="256" r:id="rId2"/>
     <p:sldId id="257" r:id="rId3"/>
     <p:sldId id="260" r:id="rId4"/>
-    <p:sldId id="259" r:id="rId5"/>
-    <p:sldId id="262" r:id="rId6"/>
-    <p:sldId id="261" r:id="rId7"/>
-    <p:sldId id="264" r:id="rId8"/>
-    <p:sldId id="263" r:id="rId9"/>
+    <p:sldId id="267" r:id="rId5"/>
+    <p:sldId id="259" r:id="rId6"/>
+    <p:sldId id="262" r:id="rId7"/>
+    <p:sldId id="261" r:id="rId8"/>
+    <p:sldId id="264" r:id="rId9"/>
+    <p:sldId id="263" r:id="rId10"/>
+    <p:sldId id="265" r:id="rId11"/>
+    <p:sldId id="266" r:id="rId12"/>
   </p:sldIdLst>
   <p:sldSz cx="9144000" cy="6858000" type="screen4x3"/>
   <p:notesSz cx="6858000" cy="9144000"/>
@@ -296,7 +299,7 @@
             <a:fld id="{530820CF-B880-4189-942D-D702A7CBA730}" type="datetimeFigureOut">
               <a:rPr lang="zh-CN" altLang="en-US" smtClean="0"/>
               <a:pPr/>
-              <a:t>2017/11/16</a:t>
+              <a:t>2017/11/27</a:t>
             </a:fld>
             <a:endParaRPr lang="zh-CN" altLang="en-US"/>
           </a:p>
@@ -463,7 +466,7 @@
             <a:fld id="{530820CF-B880-4189-942D-D702A7CBA730}" type="datetimeFigureOut">
               <a:rPr lang="zh-CN" altLang="en-US" smtClean="0"/>
               <a:pPr/>
-              <a:t>2017/11/16</a:t>
+              <a:t>2017/11/27</a:t>
             </a:fld>
             <a:endParaRPr lang="zh-CN" altLang="en-US"/>
           </a:p>
@@ -640,7 +643,7 @@
             <a:fld id="{530820CF-B880-4189-942D-D702A7CBA730}" type="datetimeFigureOut">
               <a:rPr lang="zh-CN" altLang="en-US" smtClean="0"/>
               <a:pPr/>
-              <a:t>2017/11/16</a:t>
+              <a:t>2017/11/27</a:t>
             </a:fld>
             <a:endParaRPr lang="zh-CN" altLang="en-US"/>
           </a:p>
@@ -807,7 +810,7 @@
             <a:fld id="{530820CF-B880-4189-942D-D702A7CBA730}" type="datetimeFigureOut">
               <a:rPr lang="zh-CN" altLang="en-US" smtClean="0"/>
               <a:pPr/>
-              <a:t>2017/11/16</a:t>
+              <a:t>2017/11/27</a:t>
             </a:fld>
             <a:endParaRPr lang="zh-CN" altLang="en-US"/>
           </a:p>
@@ -1050,7 +1053,7 @@
             <a:fld id="{530820CF-B880-4189-942D-D702A7CBA730}" type="datetimeFigureOut">
               <a:rPr lang="zh-CN" altLang="en-US" smtClean="0"/>
               <a:pPr/>
-              <a:t>2017/11/16</a:t>
+              <a:t>2017/11/27</a:t>
             </a:fld>
             <a:endParaRPr lang="zh-CN" altLang="en-US"/>
           </a:p>
@@ -1335,7 +1338,7 @@
             <a:fld id="{530820CF-B880-4189-942D-D702A7CBA730}" type="datetimeFigureOut">
               <a:rPr lang="zh-CN" altLang="en-US" smtClean="0"/>
               <a:pPr/>
-              <a:t>2017/11/16</a:t>
+              <a:t>2017/11/27</a:t>
             </a:fld>
             <a:endParaRPr lang="zh-CN" altLang="en-US"/>
           </a:p>
@@ -1754,7 +1757,7 @@
             <a:fld id="{530820CF-B880-4189-942D-D702A7CBA730}" type="datetimeFigureOut">
               <a:rPr lang="zh-CN" altLang="en-US" smtClean="0"/>
               <a:pPr/>
-              <a:t>2017/11/16</a:t>
+              <a:t>2017/11/27</a:t>
             </a:fld>
             <a:endParaRPr lang="zh-CN" altLang="en-US"/>
           </a:p>
@@ -1869,7 +1872,7 @@
             <a:fld id="{530820CF-B880-4189-942D-D702A7CBA730}" type="datetimeFigureOut">
               <a:rPr lang="zh-CN" altLang="en-US" smtClean="0"/>
               <a:pPr/>
-              <a:t>2017/11/16</a:t>
+              <a:t>2017/11/27</a:t>
             </a:fld>
             <a:endParaRPr lang="zh-CN" altLang="en-US"/>
           </a:p>
@@ -1961,7 +1964,7 @@
             <a:fld id="{530820CF-B880-4189-942D-D702A7CBA730}" type="datetimeFigureOut">
               <a:rPr lang="zh-CN" altLang="en-US" smtClean="0"/>
               <a:pPr/>
-              <a:t>2017/11/16</a:t>
+              <a:t>2017/11/27</a:t>
             </a:fld>
             <a:endParaRPr lang="zh-CN" altLang="en-US"/>
           </a:p>
@@ -2235,7 +2238,7 @@
             <a:fld id="{530820CF-B880-4189-942D-D702A7CBA730}" type="datetimeFigureOut">
               <a:rPr lang="zh-CN" altLang="en-US" smtClean="0"/>
               <a:pPr/>
-              <a:t>2017/11/16</a:t>
+              <a:t>2017/11/27</a:t>
             </a:fld>
             <a:endParaRPr lang="zh-CN" altLang="en-US"/>
           </a:p>
@@ -2485,7 +2488,7 @@
             <a:fld id="{530820CF-B880-4189-942D-D702A7CBA730}" type="datetimeFigureOut">
               <a:rPr lang="zh-CN" altLang="en-US" smtClean="0"/>
               <a:pPr/>
-              <a:t>2017/11/16</a:t>
+              <a:t>2017/11/27</a:t>
             </a:fld>
             <a:endParaRPr lang="zh-CN" altLang="en-US"/>
           </a:p>
@@ -2695,7 +2698,7 @@
             <a:fld id="{530820CF-B880-4189-942D-D702A7CBA730}" type="datetimeFigureOut">
               <a:rPr lang="zh-CN" altLang="en-US" smtClean="0"/>
               <a:pPr/>
-              <a:t>2017/11/16</a:t>
+              <a:t>2017/11/27</a:t>
             </a:fld>
             <a:endParaRPr lang="zh-CN" altLang="en-US"/>
           </a:p>
@@ -3494,7 +3497,7 @@
 </p:sld>
 </file>
 
-<file path=ppt/slides/slide2.xml><?xml version="1.0" encoding="utf-8"?>
+<file path=ppt/slides/slide10.xml><?xml version="1.0" encoding="utf-8"?>
 <p:sld xmlns:a="http://schemas.openxmlformats.org/drawingml/2006/main" xmlns:r="http://schemas.openxmlformats.org/officeDocument/2006/relationships" xmlns:p="http://schemas.openxmlformats.org/presentationml/2006/main">
   <p:cSld>
     <p:spTree>
@@ -3526,6 +3529,172 @@
           <a:bodyPr/>
           <a:lstStyle/>
           <a:p>
+            <a:endParaRPr lang="zh-CN" altLang="en-US" dirty="0"/>
+          </a:p>
+        </p:txBody>
+      </p:sp>
+      <p:sp>
+        <p:nvSpPr>
+          <p:cNvPr id="3" name="内容占位符 2"/>
+          <p:cNvSpPr>
+            <a:spLocks noGrp="1"/>
+          </p:cNvSpPr>
+          <p:nvPr>
+            <p:ph idx="1"/>
+          </p:nvPr>
+        </p:nvSpPr>
+        <p:spPr/>
+        <p:txBody>
+          <a:bodyPr/>
+          <a:lstStyle/>
+          <a:p>
+            <a:r>
+              <a:rPr lang="en-US" altLang="zh-CN" dirty="0" smtClean="0"/>
+              <a:t>Thermal</a:t>
+            </a:r>
+            <a:r>
+              <a:rPr lang="zh-CN" altLang="en-US" dirty="0" smtClean="0"/>
+              <a:t>类和</a:t>
+            </a:r>
+            <a:r>
+              <a:rPr lang="en-US" altLang="zh-CN" dirty="0" smtClean="0"/>
+              <a:t>Iteration</a:t>
+            </a:r>
+            <a:r>
+              <a:rPr lang="zh-CN" altLang="en-US" dirty="0" smtClean="0"/>
+              <a:t>类相似</a:t>
+            </a:r>
+            <a:endParaRPr lang="zh-CN" altLang="en-US" dirty="0"/>
+          </a:p>
+        </p:txBody>
+      </p:sp>
+    </p:spTree>
+  </p:cSld>
+  <p:clrMapOvr>
+    <a:masterClrMapping/>
+  </p:clrMapOvr>
+</p:sld>
+</file>
+
+<file path=ppt/slides/slide11.xml><?xml version="1.0" encoding="utf-8"?>
+<p:sld xmlns:a="http://schemas.openxmlformats.org/drawingml/2006/main" xmlns:r="http://schemas.openxmlformats.org/officeDocument/2006/relationships" xmlns:p="http://schemas.openxmlformats.org/presentationml/2006/main">
+  <p:cSld>
+    <p:spTree>
+      <p:nvGrpSpPr>
+        <p:cNvPr id="1" name=""/>
+        <p:cNvGrpSpPr/>
+        <p:nvPr/>
+      </p:nvGrpSpPr>
+      <p:grpSpPr>
+        <a:xfrm>
+          <a:off x="0" y="0"/>
+          <a:ext cx="0" cy="0"/>
+          <a:chOff x="0" y="0"/>
+          <a:chExt cx="0" cy="0"/>
+        </a:xfrm>
+      </p:grpSpPr>
+      <p:sp>
+        <p:nvSpPr>
+          <p:cNvPr id="3" name="内容占位符 2"/>
+          <p:cNvSpPr>
+            <a:spLocks noGrp="1"/>
+          </p:cNvSpPr>
+          <p:nvPr>
+            <p:ph idx="1"/>
+          </p:nvPr>
+        </p:nvSpPr>
+        <p:spPr>
+          <a:xfrm>
+            <a:off x="446443" y="1385047"/>
+            <a:ext cx="8229600" cy="3401275"/>
+          </a:xfrm>
+        </p:spPr>
+        <p:txBody>
+          <a:bodyPr/>
+          <a:lstStyle/>
+          <a:p>
+            <a:r>
+              <a:rPr lang="zh-CN" altLang="en-US" dirty="0" smtClean="0"/>
+              <a:t>数据结构</a:t>
+            </a:r>
+            <a:r>
+              <a:rPr lang="en-US" altLang="zh-CN" dirty="0" smtClean="0"/>
+              <a:t>+</a:t>
+            </a:r>
+            <a:r>
+              <a:rPr lang="zh-CN" altLang="en-US" dirty="0" smtClean="0"/>
+              <a:t>方法</a:t>
+            </a:r>
+            <a:endParaRPr lang="en-US" altLang="zh-CN" dirty="0" smtClean="0"/>
+          </a:p>
+          <a:p>
+            <a:r>
+              <a:rPr lang="zh-CN" altLang="en-US" dirty="0" smtClean="0"/>
+              <a:t>方法是针对什么数据结构而言，是类的绑定方法还是独立的方法；需要根据方法本身的适用性来定。</a:t>
+            </a:r>
+            <a:endParaRPr lang="en-US" altLang="zh-CN" dirty="0" smtClean="0"/>
+          </a:p>
+          <a:p>
+            <a:r>
+              <a:rPr lang="zh-CN" altLang="en-US" dirty="0" smtClean="0"/>
+              <a:t>最顶层的数据结构：</a:t>
+            </a:r>
+            <a:r>
+              <a:rPr lang="en-US" altLang="zh-CN" dirty="0" err="1" smtClean="0"/>
+              <a:t>geom</a:t>
+            </a:r>
+            <a:r>
+              <a:rPr lang="en-US" altLang="zh-CN" dirty="0" smtClean="0"/>
+              <a:t>/mesh/init/boundary/transient</a:t>
+            </a:r>
+          </a:p>
+        </p:txBody>
+      </p:sp>
+    </p:spTree>
+  </p:cSld>
+  <p:clrMapOvr>
+    <a:masterClrMapping/>
+  </p:clrMapOvr>
+</p:sld>
+</file>
+
+<file path=ppt/slides/slide2.xml><?xml version="1.0" encoding="utf-8"?>
+<p:sld xmlns:a="http://schemas.openxmlformats.org/drawingml/2006/main" xmlns:r="http://schemas.openxmlformats.org/officeDocument/2006/relationships" xmlns:p="http://schemas.openxmlformats.org/presentationml/2006/main">
+  <p:cSld>
+    <p:spTree>
+      <p:nvGrpSpPr>
+        <p:cNvPr id="1" name=""/>
+        <p:cNvGrpSpPr/>
+        <p:nvPr/>
+      </p:nvGrpSpPr>
+      <p:grpSpPr>
+        <a:xfrm>
+          <a:off x="0" y="0"/>
+          <a:ext cx="0" cy="0"/>
+          <a:chOff x="0" y="0"/>
+          <a:chExt cx="0" cy="0"/>
+        </a:xfrm>
+      </p:grpSpPr>
+      <p:sp>
+        <p:nvSpPr>
+          <p:cNvPr id="2" name="标题 1"/>
+          <p:cNvSpPr>
+            <a:spLocks noGrp="1"/>
+          </p:cNvSpPr>
+          <p:nvPr>
+            <p:ph type="title"/>
+          </p:nvPr>
+        </p:nvSpPr>
+        <p:spPr>
+          <a:xfrm>
+            <a:off x="457200" y="-60364"/>
+            <a:ext cx="8229600" cy="917596"/>
+          </a:xfrm>
+        </p:spPr>
+        <p:txBody>
+          <a:bodyPr/>
+          <a:lstStyle/>
+          <a:p>
             <a:r>
               <a:rPr lang="en-US" altLang="zh-CN" dirty="0" err="1" smtClean="0"/>
               <a:t>Sys_assembly</a:t>
@@ -3547,8 +3716,8 @@
           <p:nvPr/>
         </p:nvGraphicFramePr>
         <p:xfrm>
-          <a:off x="2071670" y="1285860"/>
-          <a:ext cx="4476760" cy="5191760"/>
+          <a:off x="2071670" y="857232"/>
+          <a:ext cx="4476760" cy="5562600"/>
         </p:xfrm>
         <a:graphic>
           <a:graphicData uri="http://schemas.openxmlformats.org/drawingml/2006/table">
@@ -3613,7 +3782,7 @@
                 </a:tc>
               </a:tr>
               <a:tr h="370840">
-                <a:tc rowSpan="7">
+                <a:tc rowSpan="8">
                   <a:txBody>
                     <a:bodyPr/>
                     <a:lstStyle/>
@@ -3872,6 +4041,52 @@
                       <a:r>
                         <a:rPr lang="en-US" altLang="zh-CN" dirty="0" smtClean="0"/>
                         <a:t>power</a:t>
+                      </a:r>
+                      <a:endParaRPr lang="zh-CN" altLang="en-US" dirty="0"/>
+                    </a:p>
+                  </a:txBody>
+                  <a:tcPr/>
+                </a:tc>
+                <a:tc>
+                  <a:txBody>
+                    <a:bodyPr/>
+                    <a:lstStyle/>
+                    <a:p>
+                      <a:endParaRPr lang="zh-CN" altLang="en-US" dirty="0"/>
+                    </a:p>
+                  </a:txBody>
+                  <a:tcPr/>
+                </a:tc>
+                <a:tc>
+                  <a:txBody>
+                    <a:bodyPr/>
+                    <a:lstStyle/>
+                    <a:p>
+                      <a:endParaRPr lang="zh-CN" altLang="en-US" dirty="0"/>
+                    </a:p>
+                  </a:txBody>
+                  <a:tcPr/>
+                </a:tc>
+              </a:tr>
+              <a:tr h="370840">
+                <a:tc vMerge="1">
+                  <a:txBody>
+                    <a:bodyPr/>
+                    <a:lstStyle/>
+                    <a:p>
+                      <a:endParaRPr lang="zh-CN" altLang="en-US"/>
+                    </a:p>
+                  </a:txBody>
+                  <a:tcPr/>
+                </a:tc>
+                <a:tc>
+                  <a:txBody>
+                    <a:bodyPr/>
+                    <a:lstStyle/>
+                    <a:p>
+                      <a:r>
+                        <a:rPr lang="en-US" altLang="zh-CN" dirty="0" smtClean="0"/>
+                        <a:t>hydraulic</a:t>
                       </a:r>
                       <a:endParaRPr lang="zh-CN" altLang="en-US" dirty="0"/>
                     </a:p>
@@ -4542,6 +4757,444 @@
           <a:lstStyle/>
           <a:p>
             <a:r>
+              <a:rPr lang="en-US" altLang="zh-CN" dirty="0" smtClean="0"/>
+              <a:t>Hydraulic</a:t>
+            </a:r>
+            <a:r>
+              <a:rPr lang="zh-CN" altLang="en-US" dirty="0" smtClean="0"/>
+              <a:t>类</a:t>
+            </a:r>
+            <a:endParaRPr lang="zh-CN" altLang="en-US" dirty="0"/>
+          </a:p>
+        </p:txBody>
+      </p:sp>
+      <p:graphicFrame>
+        <p:nvGraphicFramePr>
+          <p:cNvPr id="4" name="表格 3"/>
+          <p:cNvGraphicFramePr>
+            <a:graphicFrameLocks noGrp="1"/>
+          </p:cNvGraphicFramePr>
+          <p:nvPr/>
+        </p:nvGraphicFramePr>
+        <p:xfrm>
+          <a:off x="2143107" y="1285860"/>
+          <a:ext cx="4643471" cy="3337560"/>
+        </p:xfrm>
+        <a:graphic>
+          <a:graphicData uri="http://schemas.openxmlformats.org/drawingml/2006/table">
+            <a:tbl>
+              <a:tblPr firstRow="1" bandRow="1">
+                <a:tableStyleId>{5C22544A-7EE6-4342-B048-85BDC9FD1C3A}</a:tableStyleId>
+              </a:tblPr>
+              <a:tblGrid>
+                <a:gridCol w="812694"/>
+                <a:gridCol w="2302632"/>
+                <a:gridCol w="1528145"/>
+              </a:tblGrid>
+              <a:tr h="370840">
+                <a:tc>
+                  <a:txBody>
+                    <a:bodyPr/>
+                    <a:lstStyle/>
+                    <a:p>
+                      <a:endParaRPr lang="zh-CN" altLang="en-US" dirty="0"/>
+                    </a:p>
+                  </a:txBody>
+                  <a:tcPr/>
+                </a:tc>
+                <a:tc>
+                  <a:txBody>
+                    <a:bodyPr/>
+                    <a:lstStyle/>
+                    <a:p>
+                      <a:r>
+                        <a:rPr lang="zh-CN" altLang="en-US" dirty="0" smtClean="0"/>
+                        <a:t>名称</a:t>
+                      </a:r>
+                      <a:endParaRPr lang="zh-CN" altLang="en-US" dirty="0"/>
+                    </a:p>
+                  </a:txBody>
+                  <a:tcPr/>
+                </a:tc>
+                <a:tc>
+                  <a:txBody>
+                    <a:bodyPr/>
+                    <a:lstStyle/>
+                    <a:p>
+                      <a:r>
+                        <a:rPr lang="zh-CN" altLang="en-US" dirty="0" smtClean="0"/>
+                        <a:t>说明</a:t>
+                      </a:r>
+                      <a:endParaRPr lang="zh-CN" altLang="en-US" dirty="0"/>
+                    </a:p>
+                  </a:txBody>
+                  <a:tcPr/>
+                </a:tc>
+              </a:tr>
+              <a:tr h="370840">
+                <a:tc rowSpan="6">
+                  <a:txBody>
+                    <a:bodyPr/>
+                    <a:lstStyle/>
+                    <a:p>
+                      <a:r>
+                        <a:rPr lang="zh-CN" altLang="en-US" dirty="0" smtClean="0"/>
+                        <a:t>变</a:t>
+                      </a:r>
+                      <a:endParaRPr lang="en-US" altLang="zh-CN" dirty="0" smtClean="0"/>
+                    </a:p>
+                    <a:p>
+                      <a:r>
+                        <a:rPr lang="zh-CN" altLang="en-US" dirty="0" smtClean="0"/>
+                        <a:t>量</a:t>
+                      </a:r>
+                      <a:endParaRPr lang="zh-CN" altLang="en-US" dirty="0"/>
+                    </a:p>
+                  </a:txBody>
+                  <a:tcPr/>
+                </a:tc>
+                <a:tc>
+                  <a:txBody>
+                    <a:bodyPr/>
+                    <a:lstStyle/>
+                    <a:p>
+                      <a:r>
+                        <a:rPr lang="en-US" altLang="zh-CN" dirty="0" err="1" smtClean="0"/>
+                        <a:t>Aflow</a:t>
+                      </a:r>
+                      <a:endParaRPr lang="zh-CN" altLang="en-US" dirty="0"/>
+                    </a:p>
+                  </a:txBody>
+                  <a:tcPr/>
+                </a:tc>
+                <a:tc>
+                  <a:txBody>
+                    <a:bodyPr/>
+                    <a:lstStyle/>
+                    <a:p>
+                      <a:r>
+                        <a:rPr lang="zh-CN" altLang="en-US" dirty="0" smtClean="0"/>
+                        <a:t>流通面积</a:t>
+                      </a:r>
+                      <a:endParaRPr lang="zh-CN" altLang="en-US" dirty="0"/>
+                    </a:p>
+                  </a:txBody>
+                  <a:tcPr/>
+                </a:tc>
+              </a:tr>
+              <a:tr h="370840">
+                <a:tc vMerge="1">
+                  <a:txBody>
+                    <a:bodyPr/>
+                    <a:lstStyle/>
+                    <a:p>
+                      <a:endParaRPr lang="zh-CN" altLang="en-US" dirty="0"/>
+                    </a:p>
+                  </a:txBody>
+                  <a:tcPr/>
+                </a:tc>
+                <a:tc>
+                  <a:txBody>
+                    <a:bodyPr/>
+                    <a:lstStyle/>
+                    <a:p>
+                      <a:r>
+                        <a:rPr lang="en-US" altLang="zh-CN" dirty="0" smtClean="0"/>
+                        <a:t>Wet</a:t>
+                      </a:r>
+                      <a:endParaRPr lang="zh-CN" altLang="en-US" dirty="0"/>
+                    </a:p>
+                  </a:txBody>
+                  <a:tcPr/>
+                </a:tc>
+                <a:tc>
+                  <a:txBody>
+                    <a:bodyPr/>
+                    <a:lstStyle/>
+                    <a:p>
+                      <a:r>
+                        <a:rPr lang="zh-CN" altLang="en-US" dirty="0" smtClean="0"/>
+                        <a:t>湿周</a:t>
+                      </a:r>
+                      <a:endParaRPr lang="zh-CN" altLang="en-US" dirty="0"/>
+                    </a:p>
+                  </a:txBody>
+                  <a:tcPr/>
+                </a:tc>
+              </a:tr>
+              <a:tr h="370840">
+                <a:tc vMerge="1">
+                  <a:txBody>
+                    <a:bodyPr/>
+                    <a:lstStyle/>
+                    <a:p>
+                      <a:endParaRPr lang="zh-CN" altLang="en-US" dirty="0"/>
+                    </a:p>
+                  </a:txBody>
+                  <a:tcPr/>
+                </a:tc>
+                <a:tc>
+                  <a:txBody>
+                    <a:bodyPr/>
+                    <a:lstStyle/>
+                    <a:p>
+                      <a:r>
+                        <a:rPr lang="en-US" altLang="zh-CN" dirty="0" smtClean="0"/>
+                        <a:t>De</a:t>
+                      </a:r>
+                      <a:endParaRPr lang="zh-CN" altLang="en-US" dirty="0"/>
+                    </a:p>
+                  </a:txBody>
+                  <a:tcPr/>
+                </a:tc>
+                <a:tc>
+                  <a:txBody>
+                    <a:bodyPr/>
+                    <a:lstStyle/>
+                    <a:p>
+                      <a:r>
+                        <a:rPr lang="zh-CN" altLang="en-US" dirty="0" smtClean="0"/>
+                        <a:t>水力学直径</a:t>
+                      </a:r>
+                      <a:endParaRPr lang="zh-CN" altLang="en-US" dirty="0"/>
+                    </a:p>
+                  </a:txBody>
+                  <a:tcPr/>
+                </a:tc>
+              </a:tr>
+              <a:tr h="370840">
+                <a:tc vMerge="1">
+                  <a:txBody>
+                    <a:bodyPr/>
+                    <a:lstStyle/>
+                    <a:p>
+                      <a:endParaRPr lang="zh-CN" altLang="en-US" dirty="0"/>
+                    </a:p>
+                  </a:txBody>
+                  <a:tcPr/>
+                </a:tc>
+                <a:tc>
+                  <a:txBody>
+                    <a:bodyPr/>
+                    <a:lstStyle/>
+                    <a:p>
+                      <a:r>
+                        <a:rPr lang="en-US" altLang="zh-CN" dirty="0" err="1" smtClean="0"/>
+                        <a:t>fric</a:t>
+                      </a:r>
+                      <a:endParaRPr lang="en-US" altLang="zh-CN" dirty="0" smtClean="0"/>
+                    </a:p>
+                  </a:txBody>
+                  <a:tcPr/>
+                </a:tc>
+                <a:tc>
+                  <a:txBody>
+                    <a:bodyPr/>
+                    <a:lstStyle/>
+                    <a:p>
+                      <a:r>
+                        <a:rPr lang="zh-CN" altLang="en-US" dirty="0" smtClean="0"/>
+                        <a:t>阻力系数</a:t>
+                      </a:r>
+                      <a:endParaRPr lang="zh-CN" altLang="en-US" dirty="0"/>
+                    </a:p>
+                  </a:txBody>
+                  <a:tcPr/>
+                </a:tc>
+              </a:tr>
+              <a:tr h="370840">
+                <a:tc vMerge="1">
+                  <a:txBody>
+                    <a:bodyPr/>
+                    <a:lstStyle/>
+                    <a:p>
+                      <a:endParaRPr lang="zh-CN" altLang="en-US" dirty="0"/>
+                    </a:p>
+                  </a:txBody>
+                  <a:tcPr/>
+                </a:tc>
+                <a:tc>
+                  <a:txBody>
+                    <a:bodyPr/>
+                    <a:lstStyle/>
+                    <a:p>
+                      <a:endParaRPr lang="zh-CN" altLang="en-US" dirty="0"/>
+                    </a:p>
+                  </a:txBody>
+                  <a:tcPr/>
+                </a:tc>
+                <a:tc>
+                  <a:txBody>
+                    <a:bodyPr/>
+                    <a:lstStyle/>
+                    <a:p>
+                      <a:endParaRPr lang="zh-CN" altLang="en-US" dirty="0"/>
+                    </a:p>
+                  </a:txBody>
+                  <a:tcPr/>
+                </a:tc>
+              </a:tr>
+              <a:tr h="370840">
+                <a:tc vMerge="1">
+                  <a:txBody>
+                    <a:bodyPr/>
+                    <a:lstStyle/>
+                    <a:p>
+                      <a:endParaRPr lang="zh-CN" altLang="en-US" dirty="0"/>
+                    </a:p>
+                  </a:txBody>
+                  <a:tcPr/>
+                </a:tc>
+                <a:tc>
+                  <a:txBody>
+                    <a:bodyPr/>
+                    <a:lstStyle/>
+                    <a:p>
+                      <a:endParaRPr lang="zh-CN" altLang="en-US" dirty="0"/>
+                    </a:p>
+                  </a:txBody>
+                  <a:tcPr/>
+                </a:tc>
+                <a:tc>
+                  <a:txBody>
+                    <a:bodyPr/>
+                    <a:lstStyle/>
+                    <a:p>
+                      <a:endParaRPr lang="zh-CN" altLang="en-US" dirty="0"/>
+                    </a:p>
+                  </a:txBody>
+                  <a:tcPr/>
+                </a:tc>
+              </a:tr>
+              <a:tr h="370840">
+                <a:tc rowSpan="2">
+                  <a:txBody>
+                    <a:bodyPr/>
+                    <a:lstStyle/>
+                    <a:p>
+                      <a:r>
+                        <a:rPr lang="zh-CN" altLang="en-US" dirty="0" smtClean="0"/>
+                        <a:t>方法</a:t>
+                      </a:r>
+                      <a:endParaRPr lang="zh-CN" altLang="en-US" dirty="0"/>
+                    </a:p>
+                  </a:txBody>
+                  <a:tcPr/>
+                </a:tc>
+                <a:tc>
+                  <a:txBody>
+                    <a:bodyPr/>
+                    <a:lstStyle/>
+                    <a:p>
+                      <a:r>
+                        <a:rPr lang="en-US" altLang="zh-CN" dirty="0" smtClean="0"/>
+                        <a:t>set</a:t>
+                      </a:r>
+                      <a:endParaRPr lang="zh-CN" altLang="en-US" dirty="0"/>
+                    </a:p>
+                  </a:txBody>
+                  <a:tcPr/>
+                </a:tc>
+                <a:tc>
+                  <a:txBody>
+                    <a:bodyPr/>
+                    <a:lstStyle/>
+                    <a:p>
+                      <a:r>
+                        <a:rPr lang="zh-CN" altLang="en-US" dirty="0" smtClean="0"/>
+                        <a:t>设置参数</a:t>
+                      </a:r>
+                      <a:endParaRPr lang="zh-CN" altLang="en-US" dirty="0"/>
+                    </a:p>
+                  </a:txBody>
+                  <a:tcPr/>
+                </a:tc>
+              </a:tr>
+              <a:tr h="370840">
+                <a:tc vMerge="1">
+                  <a:txBody>
+                    <a:bodyPr/>
+                    <a:lstStyle/>
+                    <a:p>
+                      <a:endParaRPr lang="zh-CN" altLang="en-US" dirty="0"/>
+                    </a:p>
+                  </a:txBody>
+                  <a:tcPr/>
+                </a:tc>
+                <a:tc>
+                  <a:txBody>
+                    <a:bodyPr/>
+                    <a:lstStyle/>
+                    <a:p>
+                      <a:r>
+                        <a:rPr lang="en-US" altLang="zh-CN" dirty="0" smtClean="0"/>
+                        <a:t>cal</a:t>
+                      </a:r>
+                      <a:endParaRPr lang="zh-CN" altLang="en-US" dirty="0"/>
+                    </a:p>
+                  </a:txBody>
+                  <a:tcPr/>
+                </a:tc>
+                <a:tc>
+                  <a:txBody>
+                    <a:bodyPr/>
+                    <a:lstStyle/>
+                    <a:p>
+                      <a:r>
+                        <a:rPr lang="zh-CN" altLang="en-US" smtClean="0"/>
+                        <a:t>计算</a:t>
+                      </a:r>
+                      <a:endParaRPr lang="zh-CN" altLang="en-US" dirty="0"/>
+                    </a:p>
+                  </a:txBody>
+                  <a:tcPr/>
+                </a:tc>
+              </a:tr>
+            </a:tbl>
+          </a:graphicData>
+        </a:graphic>
+      </p:graphicFrame>
+    </p:spTree>
+  </p:cSld>
+  <p:clrMapOvr>
+    <a:masterClrMapping/>
+  </p:clrMapOvr>
+</p:sld>
+</file>
+
+<file path=ppt/slides/slide5.xml><?xml version="1.0" encoding="utf-8"?>
+<p:sld xmlns:a="http://schemas.openxmlformats.org/drawingml/2006/main" xmlns:r="http://schemas.openxmlformats.org/officeDocument/2006/relationships" xmlns:p="http://schemas.openxmlformats.org/presentationml/2006/main">
+  <p:cSld>
+    <p:spTree>
+      <p:nvGrpSpPr>
+        <p:cNvPr id="1" name=""/>
+        <p:cNvGrpSpPr/>
+        <p:nvPr/>
+      </p:nvGrpSpPr>
+      <p:grpSpPr>
+        <a:xfrm>
+          <a:off x="0" y="0"/>
+          <a:ext cx="0" cy="0"/>
+          <a:chOff x="0" y="0"/>
+          <a:chExt cx="0" cy="0"/>
+        </a:xfrm>
+      </p:grpSpPr>
+      <p:sp>
+        <p:nvSpPr>
+          <p:cNvPr id="2" name="标题 1"/>
+          <p:cNvSpPr>
+            <a:spLocks noGrp="1"/>
+          </p:cNvSpPr>
+          <p:nvPr>
+            <p:ph type="title"/>
+          </p:nvPr>
+        </p:nvSpPr>
+        <p:spPr/>
+        <p:txBody>
+          <a:bodyPr/>
+          <a:lstStyle/>
+          <a:p>
+            <a:r>
               <a:rPr lang="en-US" altLang="zh-CN" dirty="0" err="1" smtClean="0"/>
               <a:t>Sys_re_input</a:t>
             </a:r>
@@ -4947,7 +5600,7 @@
 </p:sld>
 </file>
 
-<file path=ppt/slides/slide5.xml><?xml version="1.0" encoding="utf-8"?>
+<file path=ppt/slides/slide6.xml><?xml version="1.0" encoding="utf-8"?>
 <p:sld xmlns:a="http://schemas.openxmlformats.org/drawingml/2006/main" xmlns:r="http://schemas.openxmlformats.org/officeDocument/2006/relationships" xmlns:p="http://schemas.openxmlformats.org/presentationml/2006/main">
   <p:cSld>
     <p:spTree>
@@ -5752,7 +6405,7 @@
 </p:sld>
 </file>
 
-<file path=ppt/slides/slide6.xml><?xml version="1.0" encoding="utf-8"?>
+<file path=ppt/slides/slide7.xml><?xml version="1.0" encoding="utf-8"?>
 <p:sld xmlns:a="http://schemas.openxmlformats.org/drawingml/2006/main" xmlns:r="http://schemas.openxmlformats.org/officeDocument/2006/relationships" xmlns:p="http://schemas.openxmlformats.org/presentationml/2006/main">
   <p:cSld>
     <p:spTree>
@@ -6063,7 +6716,7 @@
 </p:sld>
 </file>
 
-<file path=ppt/slides/slide7.xml><?xml version="1.0" encoding="utf-8"?>
+<file path=ppt/slides/slide8.xml><?xml version="1.0" encoding="utf-8"?>
 <p:sld xmlns:a="http://schemas.openxmlformats.org/drawingml/2006/main" xmlns:r="http://schemas.openxmlformats.org/officeDocument/2006/relationships" xmlns:p="http://schemas.openxmlformats.org/presentationml/2006/main">
   <p:cSld>
     <p:spTree>
@@ -6590,7 +7243,7 @@
 </p:sld>
 </file>
 
-<file path=ppt/slides/slide8.xml><?xml version="1.0" encoding="utf-8"?>
+<file path=ppt/slides/slide9.xml><?xml version="1.0" encoding="utf-8"?>
 <p:sld xmlns:a="http://schemas.openxmlformats.org/drawingml/2006/main" xmlns:r="http://schemas.openxmlformats.org/officeDocument/2006/relationships" xmlns:p="http://schemas.openxmlformats.org/presentationml/2006/main">
   <p:cSld>
     <p:spTree>
